--- a/001. 세미나 자료/02.2015/01. 1차시/Kim_DoHyeong_syntax1.pptx
+++ b/001. 세미나 자료/02.2015/01. 1차시/Kim_DoHyeong_syntax1.pptx
@@ -5,7 +5,7 @@
     <p:sldMasterId id="2147483648" r:id="rId1"/>
   </p:sldMasterIdLst>
   <p:notesMasterIdLst>
-    <p:notesMasterId r:id="rId32"/>
+    <p:notesMasterId r:id="rId35"/>
   </p:notesMasterIdLst>
   <p:sldIdLst>
     <p:sldId id="256" r:id="rId2"/>
@@ -32,12 +32,15 @@
     <p:sldId id="273" r:id="rId23"/>
     <p:sldId id="274" r:id="rId24"/>
     <p:sldId id="285" r:id="rId25"/>
-    <p:sldId id="265" r:id="rId26"/>
-    <p:sldId id="266" r:id="rId27"/>
-    <p:sldId id="267" r:id="rId28"/>
-    <p:sldId id="268" r:id="rId29"/>
-    <p:sldId id="269" r:id="rId30"/>
-    <p:sldId id="270" r:id="rId31"/>
+    <p:sldId id="286" r:id="rId26"/>
+    <p:sldId id="287" r:id="rId27"/>
+    <p:sldId id="288" r:id="rId28"/>
+    <p:sldId id="289" r:id="rId29"/>
+    <p:sldId id="290" r:id="rId30"/>
+    <p:sldId id="291" r:id="rId31"/>
+    <p:sldId id="292" r:id="rId32"/>
+    <p:sldId id="265" r:id="rId33"/>
+    <p:sldId id="266" r:id="rId34"/>
   </p:sldIdLst>
   <p:sldSz cx="9144000" cy="6858000" type="screen4x3"/>
   <p:notesSz cx="6858000" cy="9144000"/>
@@ -7469,7 +7472,7 @@
               <a:t> 동작하지 못하게 방해하는 외부의 불가항력적인 상황을 말한다</a:t>
             </a:r>
             <a:r>
-              <a:rPr lang="en-US" altLang="ko-KR" sz="2000" smtClean="0"/>
+              <a:rPr lang="en-US" altLang="ko-KR" sz="2000" dirty="0" smtClean="0"/>
               <a:t>.</a:t>
             </a:r>
           </a:p>
@@ -7592,8 +7595,8 @@
           <a:lstStyle/>
           <a:p>
             <a:r>
-              <a:rPr lang="en-US" altLang="ko-KR" dirty="0" err="1" smtClean="0"/>
-              <a:t>QnA</a:t>
+              <a:rPr lang="en-US" altLang="ko-KR" dirty="0" smtClean="0"/>
+              <a:t>Try - catch</a:t>
             </a:r>
             <a:endParaRPr lang="ko-KR" altLang="en-US" dirty="0"/>
           </a:p>
@@ -7614,27 +7617,96 @@
           <a:bodyPr/>
           <a:lstStyle/>
           <a:p>
+            <a:r>
+              <a:rPr lang="ko-KR" altLang="en-US" dirty="0" smtClean="0"/>
+              <a:t>구조</a:t>
+            </a:r>
             <a:endParaRPr lang="ko-KR" altLang="en-US" dirty="0"/>
           </a:p>
         </p:txBody>
       </p:sp>
+      <p:pic>
+        <p:nvPicPr>
+          <p:cNvPr id="4" name="그림 3"/>
+          <p:cNvPicPr>
+            <a:picLocks noChangeAspect="1"/>
+          </p:cNvPicPr>
+          <p:nvPr/>
+        </p:nvPicPr>
+        <p:blipFill>
+          <a:blip r:embed="rId2"/>
+          <a:stretch>
+            <a:fillRect/>
+          </a:stretch>
+        </p:blipFill>
+        <p:spPr>
+          <a:xfrm>
+            <a:off x="1691680" y="1196752"/>
+            <a:ext cx="3906774" cy="1944216"/>
+          </a:xfrm>
+          <a:prstGeom prst="rect">
+            <a:avLst/>
+          </a:prstGeom>
+        </p:spPr>
+      </p:pic>
+      <p:pic>
+        <p:nvPicPr>
+          <p:cNvPr id="5" name="그림 4"/>
+          <p:cNvPicPr>
+            <a:picLocks noChangeAspect="1"/>
+          </p:cNvPicPr>
+          <p:nvPr/>
+        </p:nvPicPr>
+        <p:blipFill>
+          <a:blip r:embed="rId3"/>
+          <a:stretch>
+            <a:fillRect/>
+          </a:stretch>
+        </p:blipFill>
+        <p:spPr>
+          <a:xfrm>
+            <a:off x="437391" y="3063286"/>
+            <a:ext cx="3759249" cy="3794714"/>
+          </a:xfrm>
+          <a:prstGeom prst="rect">
+            <a:avLst/>
+          </a:prstGeom>
+        </p:spPr>
+      </p:pic>
+      <p:pic>
+        <p:nvPicPr>
+          <p:cNvPr id="6" name="그림 5"/>
+          <p:cNvPicPr>
+            <a:picLocks noChangeAspect="1"/>
+          </p:cNvPicPr>
+          <p:nvPr/>
+        </p:nvPicPr>
+        <p:blipFill>
+          <a:blip r:embed="rId4"/>
+          <a:stretch>
+            <a:fillRect/>
+          </a:stretch>
+        </p:blipFill>
+        <p:spPr>
+          <a:xfrm>
+            <a:off x="4513366" y="3083050"/>
+            <a:ext cx="4263792" cy="3774950"/>
+          </a:xfrm>
+          <a:prstGeom prst="rect">
+            <a:avLst/>
+          </a:prstGeom>
+        </p:spPr>
+      </p:pic>
     </p:spTree>
     <p:extLst>
       <p:ext uri="{BB962C8B-B14F-4D97-AF65-F5344CB8AC3E}">
-        <p14:creationId xmlns:p14="http://schemas.microsoft.com/office/powerpoint/2010/main" val="4094560905"/>
+        <p14:creationId xmlns:p14="http://schemas.microsoft.com/office/powerpoint/2010/main" val="1291720359"/>
       </p:ext>
     </p:extLst>
   </p:cSld>
   <p:clrMapOvr>
     <a:masterClrMapping/>
   </p:clrMapOvr>
-  <p:timing>
-    <p:tnLst>
-      <p:par>
-        <p:cTn id="1" dur="indefinite" restart="never" nodeType="tmRoot"/>
-      </p:par>
-    </p:tnLst>
-  </p:timing>
 </p:sld>
 </file>
 
@@ -7672,30 +7744,7 @@
           <a:p>
             <a:r>
               <a:rPr lang="en-US" altLang="ko-KR" dirty="0" smtClean="0"/>
-              <a:t>Appendix</a:t>
-            </a:r>
-            <a:endParaRPr lang="ko-KR" altLang="en-US" dirty="0"/>
-          </a:p>
-        </p:txBody>
-      </p:sp>
-      <p:sp>
-        <p:nvSpPr>
-          <p:cNvPr id="3" name="내용 개체 틀 2"/>
-          <p:cNvSpPr>
-            <a:spLocks noGrp="1"/>
-          </p:cNvSpPr>
-          <p:nvPr>
-            <p:ph idx="1"/>
-          </p:nvPr>
-        </p:nvSpPr>
-        <p:spPr/>
-        <p:txBody>
-          <a:bodyPr/>
-          <a:lstStyle/>
-          <a:p>
-            <a:r>
-              <a:rPr lang="ko-KR" altLang="en-US" dirty="0" smtClean="0"/>
-              <a:t>오버로딩의 예</a:t>
+              <a:t>Try - catch</a:t>
             </a:r>
             <a:endParaRPr lang="ko-KR" altLang="en-US" dirty="0"/>
           </a:p>
@@ -7703,278 +7752,34 @@
       </p:sp>
       <p:pic>
         <p:nvPicPr>
-          <p:cNvPr id="4098" name="Picture 2"/>
+          <p:cNvPr id="4" name="내용 개체 틀 3"/>
           <p:cNvPicPr>
-            <a:picLocks noChangeAspect="1" noChangeArrowheads="1"/>
+            <a:picLocks noGrp="1" noChangeAspect="1"/>
           </p:cNvPicPr>
-          <p:nvPr/>
+          <p:nvPr>
+            <p:ph idx="1"/>
+          </p:nvPr>
         </p:nvPicPr>
         <p:blipFill>
-          <a:blip r:embed="rId2">
-            <a:extLst>
-              <a:ext uri="{28A0092B-C50C-407E-A947-70E740481C1C}">
-                <a14:useLocalDpi xmlns:a14="http://schemas.microsoft.com/office/drawing/2010/main" val="0"/>
-              </a:ext>
-            </a:extLst>
-          </a:blip>
-          <a:srcRect/>
+          <a:blip r:embed="rId2"/>
           <a:stretch>
             <a:fillRect/>
           </a:stretch>
         </p:blipFill>
-        <p:spPr bwMode="auto">
-          <a:xfrm>
-            <a:off x="251520" y="2420423"/>
-            <a:ext cx="2000025" cy="3816424"/>
+        <p:spPr>
+          <a:xfrm>
+            <a:off x="2339752" y="1772816"/>
+            <a:ext cx="4957218" cy="4825026"/>
           </a:xfrm>
           <a:prstGeom prst="rect">
             <a:avLst/>
           </a:prstGeom>
-          <a:noFill/>
-          <a:ln>
-            <a:noFill/>
-          </a:ln>
-          <a:extLst>
-            <a:ext uri="{909E8E84-426E-40DD-AFC4-6F175D3DCCD1}">
-              <a14:hiddenFill xmlns:a14="http://schemas.microsoft.com/office/drawing/2010/main">
-                <a:solidFill>
-                  <a:schemeClr val="accent1"/>
-                </a:solidFill>
-              </a14:hiddenFill>
-            </a:ext>
-            <a:ext uri="{91240B29-F687-4F45-9708-019B960494DF}">
-              <a14:hiddenLine xmlns:a14="http://schemas.microsoft.com/office/drawing/2010/main" w="9525">
-                <a:solidFill>
-                  <a:schemeClr val="tx1"/>
-                </a:solidFill>
-                <a:miter lim="800000"/>
-                <a:headEnd/>
-                <a:tailEnd/>
-              </a14:hiddenLine>
-            </a:ext>
-          </a:extLst>
-        </p:spPr>
-      </p:pic>
-      <p:pic>
-        <p:nvPicPr>
-          <p:cNvPr id="4099" name="Picture 3"/>
-          <p:cNvPicPr>
-            <a:picLocks noChangeAspect="1" noChangeArrowheads="1"/>
-          </p:cNvPicPr>
-          <p:nvPr/>
-        </p:nvPicPr>
-        <p:blipFill>
-          <a:blip r:embed="rId3">
-            <a:extLst>
-              <a:ext uri="{28A0092B-C50C-407E-A947-70E740481C1C}">
-                <a14:useLocalDpi xmlns:a14="http://schemas.microsoft.com/office/drawing/2010/main" val="0"/>
-              </a:ext>
-            </a:extLst>
-          </a:blip>
-          <a:srcRect/>
-          <a:stretch>
-            <a:fillRect/>
-          </a:stretch>
-        </p:blipFill>
-        <p:spPr bwMode="auto">
-          <a:xfrm>
-            <a:off x="2388205" y="2125175"/>
-            <a:ext cx="2149006" cy="4114973"/>
-          </a:xfrm>
-          <a:prstGeom prst="rect">
-            <a:avLst/>
-          </a:prstGeom>
-          <a:noFill/>
-          <a:ln>
-            <a:noFill/>
-          </a:ln>
-          <a:extLst>
-            <a:ext uri="{909E8E84-426E-40DD-AFC4-6F175D3DCCD1}">
-              <a14:hiddenFill xmlns:a14="http://schemas.microsoft.com/office/drawing/2010/main">
-                <a:solidFill>
-                  <a:schemeClr val="accent1"/>
-                </a:solidFill>
-              </a14:hiddenFill>
-            </a:ext>
-            <a:ext uri="{91240B29-F687-4F45-9708-019B960494DF}">
-              <a14:hiddenLine xmlns:a14="http://schemas.microsoft.com/office/drawing/2010/main" w="9525">
-                <a:solidFill>
-                  <a:schemeClr val="tx1"/>
-                </a:solidFill>
-                <a:miter lim="800000"/>
-                <a:headEnd/>
-                <a:tailEnd/>
-              </a14:hiddenLine>
-            </a:ext>
-          </a:extLst>
-        </p:spPr>
-      </p:pic>
-      <p:pic>
-        <p:nvPicPr>
-          <p:cNvPr id="4100" name="Picture 4"/>
-          <p:cNvPicPr>
-            <a:picLocks noChangeAspect="1" noChangeArrowheads="1"/>
-          </p:cNvPicPr>
-          <p:nvPr/>
-        </p:nvPicPr>
-        <p:blipFill>
-          <a:blip r:embed="rId4" cstate="print">
-            <a:extLst>
-              <a:ext uri="{28A0092B-C50C-407E-A947-70E740481C1C}">
-                <a14:useLocalDpi xmlns:a14="http://schemas.microsoft.com/office/drawing/2010/main" val="0"/>
-              </a:ext>
-            </a:extLst>
-          </a:blip>
-          <a:srcRect/>
-          <a:stretch>
-            <a:fillRect/>
-          </a:stretch>
-        </p:blipFill>
-        <p:spPr bwMode="auto">
-          <a:xfrm>
-            <a:off x="2251545" y="6333847"/>
-            <a:ext cx="1384351" cy="489058"/>
-          </a:xfrm>
-          <a:prstGeom prst="rect">
-            <a:avLst/>
-          </a:prstGeom>
-          <a:noFill/>
-          <a:ln>
-            <a:noFill/>
-          </a:ln>
-          <a:extLst>
-            <a:ext uri="{909E8E84-426E-40DD-AFC4-6F175D3DCCD1}">
-              <a14:hiddenFill xmlns:a14="http://schemas.microsoft.com/office/drawing/2010/main">
-                <a:solidFill>
-                  <a:schemeClr val="accent1"/>
-                </a:solidFill>
-              </a14:hiddenFill>
-            </a:ext>
-            <a:ext uri="{91240B29-F687-4F45-9708-019B960494DF}">
-              <a14:hiddenLine xmlns:a14="http://schemas.microsoft.com/office/drawing/2010/main" w="9525">
-                <a:solidFill>
-                  <a:schemeClr val="tx1"/>
-                </a:solidFill>
-                <a:miter lim="800000"/>
-                <a:headEnd/>
-                <a:tailEnd/>
-              </a14:hiddenLine>
-            </a:ext>
-          </a:extLst>
-        </p:spPr>
-      </p:pic>
-      <p:pic>
-        <p:nvPicPr>
-          <p:cNvPr id="4101" name="Picture 5"/>
-          <p:cNvPicPr>
-            <a:picLocks noChangeAspect="1" noChangeArrowheads="1"/>
-          </p:cNvPicPr>
-          <p:nvPr/>
-        </p:nvPicPr>
-        <p:blipFill>
-          <a:blip r:embed="rId5">
-            <a:extLst>
-              <a:ext uri="{28A0092B-C50C-407E-A947-70E740481C1C}">
-                <a14:useLocalDpi xmlns:a14="http://schemas.microsoft.com/office/drawing/2010/main" val="0"/>
-              </a:ext>
-            </a:extLst>
-          </a:blip>
-          <a:srcRect/>
-          <a:stretch>
-            <a:fillRect/>
-          </a:stretch>
-        </p:blipFill>
-        <p:spPr bwMode="auto">
-          <a:xfrm>
-            <a:off x="4427984" y="2060848"/>
-            <a:ext cx="1693941" cy="3227065"/>
-          </a:xfrm>
-          <a:prstGeom prst="rect">
-            <a:avLst/>
-          </a:prstGeom>
-          <a:noFill/>
-          <a:ln>
-            <a:noFill/>
-          </a:ln>
-          <a:extLst>
-            <a:ext uri="{909E8E84-426E-40DD-AFC4-6F175D3DCCD1}">
-              <a14:hiddenFill xmlns:a14="http://schemas.microsoft.com/office/drawing/2010/main">
-                <a:solidFill>
-                  <a:schemeClr val="accent1"/>
-                </a:solidFill>
-              </a14:hiddenFill>
-            </a:ext>
-            <a:ext uri="{91240B29-F687-4F45-9708-019B960494DF}">
-              <a14:hiddenLine xmlns:a14="http://schemas.microsoft.com/office/drawing/2010/main" w="9525">
-                <a:solidFill>
-                  <a:schemeClr val="tx1"/>
-                </a:solidFill>
-                <a:miter lim="800000"/>
-                <a:headEnd/>
-                <a:tailEnd/>
-              </a14:hiddenLine>
-            </a:ext>
-          </a:extLst>
-        </p:spPr>
-      </p:pic>
-      <p:pic>
-        <p:nvPicPr>
-          <p:cNvPr id="1026" name="Picture 2"/>
-          <p:cNvPicPr>
-            <a:picLocks noChangeAspect="1" noChangeArrowheads="1"/>
-          </p:cNvPicPr>
-          <p:nvPr/>
-        </p:nvPicPr>
-        <p:blipFill>
-          <a:blip r:embed="rId6">
-            <a:extLst>
-              <a:ext uri="{28A0092B-C50C-407E-A947-70E740481C1C}">
-                <a14:useLocalDpi xmlns:a14="http://schemas.microsoft.com/office/drawing/2010/main" val="0"/>
-              </a:ext>
-            </a:extLst>
-          </a:blip>
-          <a:srcRect/>
-          <a:stretch>
-            <a:fillRect/>
-          </a:stretch>
-        </p:blipFill>
-        <p:spPr bwMode="auto">
-          <a:xfrm>
-            <a:off x="6228184" y="2125175"/>
-            <a:ext cx="1595438" cy="2862263"/>
-          </a:xfrm>
-          <a:prstGeom prst="rect">
-            <a:avLst/>
-          </a:prstGeom>
-          <a:noFill/>
-          <a:ln>
-            <a:noFill/>
-          </a:ln>
-          <a:extLst>
-            <a:ext uri="{909E8E84-426E-40DD-AFC4-6F175D3DCCD1}">
-              <a14:hiddenFill xmlns:a14="http://schemas.microsoft.com/office/drawing/2010/main">
-                <a:solidFill>
-                  <a:schemeClr val="accent1"/>
-                </a:solidFill>
-              </a14:hiddenFill>
-            </a:ext>
-            <a:ext uri="{91240B29-F687-4F45-9708-019B960494DF}">
-              <a14:hiddenLine xmlns:a14="http://schemas.microsoft.com/office/drawing/2010/main" w="9525">
-                <a:solidFill>
-                  <a:schemeClr val="tx1"/>
-                </a:solidFill>
-                <a:miter lim="800000"/>
-                <a:headEnd/>
-                <a:tailEnd/>
-              </a14:hiddenLine>
-            </a:ext>
-          </a:extLst>
         </p:spPr>
       </p:pic>
     </p:spTree>
     <p:extLst>
       <p:ext uri="{BB962C8B-B14F-4D97-AF65-F5344CB8AC3E}">
-        <p14:creationId xmlns:p14="http://schemas.microsoft.com/office/powerpoint/2010/main" val="2365867986"/>
+        <p14:creationId xmlns:p14="http://schemas.microsoft.com/office/powerpoint/2010/main" val="3986729942"/>
       </p:ext>
     </p:extLst>
   </p:cSld>
@@ -8013,6 +7818,31 @@
         </p:nvSpPr>
         <p:spPr/>
         <p:txBody>
+          <a:bodyPr>
+            <a:normAutofit/>
+          </a:bodyPr>
+          <a:lstStyle/>
+          <a:p>
+            <a:r>
+              <a:rPr lang="ko-KR" altLang="en-US" dirty="0" smtClean="0"/>
+              <a:t>함수와 예외처리</a:t>
+            </a:r>
+            <a:endParaRPr lang="ko-KR" altLang="en-US" dirty="0"/>
+          </a:p>
+        </p:txBody>
+      </p:sp>
+      <p:sp>
+        <p:nvSpPr>
+          <p:cNvPr id="3" name="내용 개체 틀 2"/>
+          <p:cNvSpPr>
+            <a:spLocks noGrp="1"/>
+          </p:cNvSpPr>
+          <p:nvPr>
+            <p:ph idx="1"/>
+          </p:nvPr>
+        </p:nvSpPr>
+        <p:spPr/>
+        <p:txBody>
           <a:bodyPr/>
           <a:lstStyle/>
           <a:p>
@@ -8020,35 +7850,95 @@
           </a:p>
         </p:txBody>
       </p:sp>
-      <p:sp>
-        <p:nvSpPr>
-          <p:cNvPr id="3" name="내용 개체 틀 2"/>
-          <p:cNvSpPr>
-            <a:spLocks noGrp="1"/>
-          </p:cNvSpPr>
-          <p:nvPr>
-            <p:ph idx="1"/>
-          </p:nvPr>
-        </p:nvSpPr>
-        <p:spPr/>
-        <p:txBody>
-          <a:bodyPr/>
-          <a:lstStyle/>
-          <a:p>
-            <a:endParaRPr lang="ko-KR" altLang="en-US"/>
-          </a:p>
-        </p:txBody>
-      </p:sp>
+      <p:pic>
+        <p:nvPicPr>
+          <p:cNvPr id="4" name="그림 3"/>
+          <p:cNvPicPr>
+            <a:picLocks noChangeAspect="1"/>
+          </p:cNvPicPr>
+          <p:nvPr/>
+        </p:nvPicPr>
+        <p:blipFill>
+          <a:blip r:embed="rId2"/>
+          <a:stretch>
+            <a:fillRect/>
+          </a:stretch>
+        </p:blipFill>
+        <p:spPr>
+          <a:xfrm>
+            <a:off x="4860032" y="1254849"/>
+            <a:ext cx="3456384" cy="5669890"/>
+          </a:xfrm>
+          <a:prstGeom prst="rect">
+            <a:avLst/>
+          </a:prstGeom>
+        </p:spPr>
+      </p:pic>
+      <p:pic>
+        <p:nvPicPr>
+          <p:cNvPr id="5" name="그림 4"/>
+          <p:cNvPicPr>
+            <a:picLocks noChangeAspect="1"/>
+          </p:cNvPicPr>
+          <p:nvPr/>
+        </p:nvPicPr>
+        <p:blipFill>
+          <a:blip r:embed="rId3"/>
+          <a:stretch>
+            <a:fillRect/>
+          </a:stretch>
+        </p:blipFill>
+        <p:spPr>
+          <a:xfrm>
+            <a:off x="457200" y="1600200"/>
+            <a:ext cx="4098349" cy="4963690"/>
+          </a:xfrm>
+          <a:prstGeom prst="rect">
+            <a:avLst/>
+          </a:prstGeom>
+        </p:spPr>
+      </p:pic>
+      <p:pic>
+        <p:nvPicPr>
+          <p:cNvPr id="6" name="그림 5"/>
+          <p:cNvPicPr>
+            <a:picLocks noChangeAspect="1"/>
+          </p:cNvPicPr>
+          <p:nvPr/>
+        </p:nvPicPr>
+        <p:blipFill>
+          <a:blip r:embed="rId4"/>
+          <a:stretch>
+            <a:fillRect/>
+          </a:stretch>
+        </p:blipFill>
+        <p:spPr>
+          <a:xfrm>
+            <a:off x="6906398" y="3645024"/>
+            <a:ext cx="2211069" cy="2088232"/>
+          </a:xfrm>
+          <a:prstGeom prst="rect">
+            <a:avLst/>
+          </a:prstGeom>
+        </p:spPr>
+      </p:pic>
     </p:spTree>
     <p:extLst>
       <p:ext uri="{BB962C8B-B14F-4D97-AF65-F5344CB8AC3E}">
-        <p14:creationId xmlns:p14="http://schemas.microsoft.com/office/powerpoint/2010/main" val="3446652940"/>
+        <p14:creationId xmlns:p14="http://schemas.microsoft.com/office/powerpoint/2010/main" val="2091947255"/>
       </p:ext>
     </p:extLst>
   </p:cSld>
   <p:clrMapOvr>
     <a:masterClrMapping/>
   </p:clrMapOvr>
+  <p:timing>
+    <p:tnLst>
+      <p:par>
+        <p:cTn id="1" dur="indefinite" restart="never" nodeType="tmRoot"/>
+      </p:par>
+    </p:tnLst>
+  </p:timing>
 </p:sld>
 </file>
 
@@ -8084,39 +7974,190 @@
           <a:bodyPr/>
           <a:lstStyle/>
           <a:p>
+            <a:r>
+              <a:rPr lang="ko-KR" altLang="en-US" dirty="0" smtClean="0"/>
+              <a:t>예외 객체</a:t>
+            </a:r>
+            <a:endParaRPr lang="ko-KR" altLang="en-US" dirty="0"/>
+          </a:p>
+        </p:txBody>
+      </p:sp>
+      <p:sp>
+        <p:nvSpPr>
+          <p:cNvPr id="3" name="내용 개체 틀 2"/>
+          <p:cNvSpPr>
+            <a:spLocks noGrp="1"/>
+          </p:cNvSpPr>
+          <p:nvPr>
+            <p:ph idx="1"/>
+          </p:nvPr>
+        </p:nvSpPr>
+        <p:spPr/>
+        <p:txBody>
+          <a:bodyPr/>
+          <a:lstStyle/>
+          <a:p>
             <a:endParaRPr lang="ko-KR" altLang="en-US"/>
           </a:p>
         </p:txBody>
       </p:sp>
-      <p:sp>
-        <p:nvSpPr>
-          <p:cNvPr id="3" name="내용 개체 틀 2"/>
-          <p:cNvSpPr>
-            <a:spLocks noGrp="1"/>
-          </p:cNvSpPr>
-          <p:nvPr>
-            <p:ph idx="1"/>
-          </p:nvPr>
-        </p:nvSpPr>
-        <p:spPr/>
-        <p:txBody>
-          <a:bodyPr/>
-          <a:lstStyle/>
-          <a:p>
-            <a:endParaRPr lang="ko-KR" altLang="en-US"/>
-          </a:p>
-        </p:txBody>
-      </p:sp>
+      <p:pic>
+        <p:nvPicPr>
+          <p:cNvPr id="4" name="그림 3"/>
+          <p:cNvPicPr>
+            <a:picLocks noChangeAspect="1"/>
+          </p:cNvPicPr>
+          <p:nvPr/>
+        </p:nvPicPr>
+        <p:blipFill>
+          <a:blip r:embed="rId2"/>
+          <a:stretch>
+            <a:fillRect/>
+          </a:stretch>
+        </p:blipFill>
+        <p:spPr>
+          <a:xfrm>
+            <a:off x="449583" y="1570912"/>
+            <a:ext cx="4277933" cy="5287087"/>
+          </a:xfrm>
+          <a:prstGeom prst="rect">
+            <a:avLst/>
+          </a:prstGeom>
+        </p:spPr>
+      </p:pic>
+      <p:pic>
+        <p:nvPicPr>
+          <p:cNvPr id="5" name="그림 4"/>
+          <p:cNvPicPr>
+            <a:picLocks noChangeAspect="1"/>
+          </p:cNvPicPr>
+          <p:nvPr/>
+        </p:nvPicPr>
+        <p:blipFill>
+          <a:blip r:embed="rId3"/>
+          <a:stretch>
+            <a:fillRect/>
+          </a:stretch>
+        </p:blipFill>
+        <p:spPr>
+          <a:xfrm>
+            <a:off x="5364088" y="-12216"/>
+            <a:ext cx="3955529" cy="4442171"/>
+          </a:xfrm>
+          <a:prstGeom prst="rect">
+            <a:avLst/>
+          </a:prstGeom>
+        </p:spPr>
+      </p:pic>
+      <p:pic>
+        <p:nvPicPr>
+          <p:cNvPr id="6" name="그림 5"/>
+          <p:cNvPicPr>
+            <a:picLocks noChangeAspect="1"/>
+          </p:cNvPicPr>
+          <p:nvPr/>
+        </p:nvPicPr>
+        <p:blipFill>
+          <a:blip r:embed="rId4"/>
+          <a:stretch>
+            <a:fillRect/>
+          </a:stretch>
+        </p:blipFill>
+        <p:spPr>
+          <a:xfrm>
+            <a:off x="4754157" y="3571874"/>
+            <a:ext cx="3629025" cy="3286125"/>
+          </a:xfrm>
+          <a:prstGeom prst="rect">
+            <a:avLst/>
+          </a:prstGeom>
+        </p:spPr>
+      </p:pic>
     </p:spTree>
     <p:extLst>
       <p:ext uri="{BB962C8B-B14F-4D97-AF65-F5344CB8AC3E}">
-        <p14:creationId xmlns:p14="http://schemas.microsoft.com/office/powerpoint/2010/main" val="3012431877"/>
+        <p14:creationId xmlns:p14="http://schemas.microsoft.com/office/powerpoint/2010/main" val="523433594"/>
       </p:ext>
     </p:extLst>
   </p:cSld>
   <p:clrMapOvr>
     <a:masterClrMapping/>
   </p:clrMapOvr>
+  <p:timing>
+    <p:tnLst>
+      <p:par>
+        <p:cTn id="1" dur="indefinite" restart="never" nodeType="tmRoot">
+          <p:childTnLst>
+            <p:seq concurrent="1" nextAc="seek">
+              <p:cTn id="2" dur="indefinite" nodeType="mainSeq">
+                <p:childTnLst>
+                  <p:par>
+                    <p:cTn id="3" fill="hold">
+                      <p:stCondLst>
+                        <p:cond delay="indefinite"/>
+                      </p:stCondLst>
+                      <p:childTnLst>
+                        <p:par>
+                          <p:cTn id="4" fill="hold">
+                            <p:stCondLst>
+                              <p:cond delay="0"/>
+                            </p:stCondLst>
+                            <p:childTnLst>
+                              <p:par>
+                                <p:cTn id="5" presetID="1" presetClass="entr" presetSubtype="0" fill="hold" nodeType="clickEffect">
+                                  <p:stCondLst>
+                                    <p:cond delay="0"/>
+                                  </p:stCondLst>
+                                  <p:childTnLst>
+                                    <p:set>
+                                      <p:cBhvr>
+                                        <p:cTn id="6" dur="1" fill="hold">
+                                          <p:stCondLst>
+                                            <p:cond delay="0"/>
+                                          </p:stCondLst>
+                                        </p:cTn>
+                                        <p:tgtEl>
+                                          <p:spTgt spid="6"/>
+                                        </p:tgtEl>
+                                        <p:attrNameLst>
+                                          <p:attrName>style.visibility</p:attrName>
+                                        </p:attrNameLst>
+                                      </p:cBhvr>
+                                      <p:to>
+                                        <p:strVal val="visible"/>
+                                      </p:to>
+                                    </p:set>
+                                  </p:childTnLst>
+                                </p:cTn>
+                              </p:par>
+                            </p:childTnLst>
+                          </p:cTn>
+                        </p:par>
+                      </p:childTnLst>
+                    </p:cTn>
+                  </p:par>
+                </p:childTnLst>
+              </p:cTn>
+              <p:prevCondLst>
+                <p:cond evt="onPrev" delay="0">
+                  <p:tgtEl>
+                    <p:sldTgt/>
+                  </p:tgtEl>
+                </p:cond>
+              </p:prevCondLst>
+              <p:nextCondLst>
+                <p:cond evt="onNext" delay="0">
+                  <p:tgtEl>
+                    <p:sldTgt/>
+                  </p:tgtEl>
+                </p:cond>
+              </p:nextCondLst>
+            </p:seq>
+          </p:childTnLst>
+        </p:cTn>
+      </p:par>
+    </p:tnLst>
+  </p:timing>
 </p:sld>
 </file>
 
@@ -8152,7 +8193,11 @@
           <a:bodyPr/>
           <a:lstStyle/>
           <a:p>
-            <a:endParaRPr lang="ko-KR" altLang="en-US"/>
+            <a:r>
+              <a:rPr lang="ko-KR" altLang="en-US" dirty="0" smtClean="0"/>
+              <a:t>템플릿</a:t>
+            </a:r>
+            <a:endParaRPr lang="ko-KR" altLang="en-US" dirty="0"/>
           </a:p>
         </p:txBody>
       </p:sp>
@@ -8168,23 +8213,194 @@
         </p:nvSpPr>
         <p:spPr/>
         <p:txBody>
-          <a:bodyPr/>
-          <a:lstStyle/>
-          <a:p>
-            <a:endParaRPr lang="ko-KR" altLang="en-US"/>
+          <a:bodyPr>
+            <a:normAutofit/>
+          </a:bodyPr>
+          <a:lstStyle/>
+          <a:p>
+            <a:pPr marL="0" indent="0">
+              <a:buNone/>
+            </a:pPr>
+            <a:r>
+              <a:rPr lang="ko-KR" altLang="en-US" sz="1200" dirty="0"/>
+              <a:t>① 구조적 프로그래밍 </a:t>
+            </a:r>
+            <a:r>
+              <a:rPr lang="en-US" altLang="ko-KR" sz="1200" dirty="0"/>
+              <a:t>: C</a:t>
+            </a:r>
+            <a:r>
+              <a:rPr lang="ko-KR" altLang="en-US" sz="1200" dirty="0"/>
+              <a:t>언어에서와 마찬가지로 함수 위주로 프로그램을 작성할 수 있다</a:t>
+            </a:r>
+            <a:r>
+              <a:rPr lang="en-US" altLang="ko-KR" sz="1200" dirty="0"/>
+              <a:t>. </a:t>
+            </a:r>
+            <a:endParaRPr lang="ko-KR" altLang="en-US" sz="1200" dirty="0"/>
+          </a:p>
+          <a:p>
+            <a:pPr marL="0" indent="0">
+              <a:buNone/>
+            </a:pPr>
+            <a:r>
+              <a:rPr lang="ko-KR" altLang="en-US" sz="1200" dirty="0"/>
+              <a:t/>
+            </a:r>
+            <a:br>
+              <a:rPr lang="ko-KR" altLang="en-US" sz="1200" dirty="0"/>
+            </a:br>
+            <a:r>
+              <a:rPr lang="ko-KR" altLang="en-US" sz="1200" dirty="0" smtClean="0"/>
+              <a:t>② </a:t>
+            </a:r>
+            <a:r>
+              <a:rPr lang="ko-KR" altLang="en-US" sz="1200" dirty="0"/>
+              <a:t>객체 지향 프로그래밍 </a:t>
+            </a:r>
+            <a:r>
+              <a:rPr lang="en-US" altLang="ko-KR" sz="1200" dirty="0"/>
+              <a:t>: </a:t>
+            </a:r>
+            <a:r>
+              <a:rPr lang="ko-KR" altLang="en-US" sz="1200" dirty="0"/>
+              <a:t>캡슐화</a:t>
+            </a:r>
+            <a:r>
+              <a:rPr lang="en-US" altLang="ko-KR" sz="1200" dirty="0"/>
+              <a:t>, </a:t>
+            </a:r>
+            <a:r>
+              <a:rPr lang="ko-KR" altLang="en-US" sz="1200" dirty="0"/>
+              <a:t>추상화를 통해 현실 세계의 사물을 </a:t>
+            </a:r>
+            <a:r>
+              <a:rPr lang="ko-KR" altLang="en-US" sz="1200" dirty="0" err="1"/>
+              <a:t>모델링할</a:t>
+            </a:r>
+            <a:r>
+              <a:rPr lang="ko-KR" altLang="en-US" sz="1200" dirty="0"/>
+              <a:t> 수 있으며 상속과 </a:t>
+            </a:r>
+            <a:r>
+              <a:rPr lang="ko-KR" altLang="en-US" sz="1200" dirty="0" err="1"/>
+              <a:t>다형성을</a:t>
+            </a:r>
+            <a:r>
+              <a:rPr lang="ko-KR" altLang="en-US" sz="1200" dirty="0"/>
+              <a:t> 지원하기 위한 여러 가지 언어적 장치를 제공한다</a:t>
+            </a:r>
+            <a:r>
+              <a:rPr lang="en-US" altLang="ko-KR" sz="1200" dirty="0"/>
+              <a:t>.</a:t>
+            </a:r>
+            <a:endParaRPr lang="ko-KR" altLang="en-US" sz="1200" dirty="0"/>
+          </a:p>
+          <a:p>
+            <a:pPr marL="0" indent="0">
+              <a:buNone/>
+            </a:pPr>
+            <a:endParaRPr lang="ko-KR" altLang="en-US" sz="1200" dirty="0"/>
+          </a:p>
+          <a:p>
+            <a:pPr marL="0" indent="0">
+              <a:buNone/>
+            </a:pPr>
+            <a:r>
+              <a:rPr lang="ko-KR" altLang="en-US" sz="1200" dirty="0"/>
+              <a:t>③ 일반화 프로그래밍 </a:t>
+            </a:r>
+            <a:r>
+              <a:rPr lang="en-US" altLang="ko-KR" sz="1200" dirty="0"/>
+              <a:t>: </a:t>
+            </a:r>
+            <a:r>
+              <a:rPr lang="ko-KR" altLang="en-US" sz="1200" dirty="0"/>
+              <a:t>임의 타입에 대해 동작하는 함수나 클래스를 작성할 수 있다</a:t>
+            </a:r>
+            <a:r>
+              <a:rPr lang="en-US" altLang="ko-KR" sz="1200" dirty="0"/>
+              <a:t>. </a:t>
+            </a:r>
+            <a:r>
+              <a:rPr lang="ko-KR" altLang="en-US" sz="1200" dirty="0"/>
+              <a:t>객체 지향보다 재사용성과 편의성이 더 </a:t>
+            </a:r>
+            <a:r>
+              <a:rPr lang="ko-KR" altLang="en-US" sz="1200" dirty="0" smtClean="0"/>
+              <a:t>우수하다</a:t>
+            </a:r>
+            <a:endParaRPr lang="en-US" altLang="ko-KR" sz="1200" dirty="0" smtClean="0"/>
+          </a:p>
+          <a:p>
+            <a:pPr marL="0" indent="0">
+              <a:buNone/>
+            </a:pPr>
+            <a:endParaRPr lang="ko-KR" altLang="en-US" dirty="0"/>
+          </a:p>
+          <a:p>
+            <a:r>
+              <a:rPr lang="ko-KR" altLang="en-US" sz="1400" dirty="0"/>
+              <a:t>템플릿은 </a:t>
+            </a:r>
+            <a:r>
+              <a:rPr lang="en-US" altLang="ko-KR" sz="1400" dirty="0"/>
+              <a:t>C++</a:t>
+            </a:r>
+            <a:r>
+              <a:rPr lang="ko-KR" altLang="en-US" sz="1400" dirty="0"/>
+              <a:t>이 일반화를 위해 제공하는 가장 기본적인 문법</a:t>
+            </a:r>
+            <a:endParaRPr lang="ko-KR" altLang="en-US" sz="1400" dirty="0"/>
+          </a:p>
+          <a:p>
+            <a:r>
+              <a:rPr lang="ko-KR" altLang="en-US" sz="1400" dirty="0"/>
+              <a:t>템플릿</a:t>
+            </a:r>
+            <a:r>
+              <a:rPr lang="en-US" altLang="ko-KR" sz="1400" dirty="0"/>
+              <a:t>(Template)</a:t>
+            </a:r>
+            <a:r>
+              <a:rPr lang="ko-KR" altLang="en-US" sz="1400" dirty="0"/>
+              <a:t>이란 무엇인가를 만들기 위한 형틀이라는 뜻</a:t>
+            </a:r>
+            <a:endParaRPr lang="ko-KR" altLang="en-US" sz="1400" dirty="0"/>
+          </a:p>
+          <a:p>
+            <a:r>
+              <a:rPr lang="ko-KR" altLang="en-US" sz="1400" dirty="0"/>
+              <a:t>템플릿은 모양에 대한 본을 떠 놓은 것이며 한 번만 잘 만들어 놓으면 이후부터 재료만 집어 넣어서 똑같은 모양을 손쉽게 여러 번 찍어 낼 수 있다</a:t>
+            </a:r>
+            <a:r>
+              <a:rPr lang="en-US" altLang="ko-KR" sz="1400" dirty="0"/>
+              <a:t>.</a:t>
+            </a:r>
+            <a:endParaRPr lang="ko-KR" altLang="en-US" sz="1400" dirty="0"/>
+          </a:p>
+          <a:p>
+            <a:endParaRPr lang="ko-KR" altLang="en-US" dirty="0"/>
           </a:p>
         </p:txBody>
       </p:sp>
     </p:spTree>
     <p:extLst>
       <p:ext uri="{BB962C8B-B14F-4D97-AF65-F5344CB8AC3E}">
-        <p14:creationId xmlns:p14="http://schemas.microsoft.com/office/powerpoint/2010/main" val="1432126676"/>
+        <p14:creationId xmlns:p14="http://schemas.microsoft.com/office/powerpoint/2010/main" val="1674482290"/>
       </p:ext>
     </p:extLst>
   </p:cSld>
   <p:clrMapOvr>
     <a:masterClrMapping/>
   </p:clrMapOvr>
+  <p:timing>
+    <p:tnLst>
+      <p:par>
+        <p:cTn id="1" dur="indefinite" restart="never" nodeType="tmRoot"/>
+      </p:par>
+    </p:tnLst>
+  </p:timing>
 </p:sld>
 </file>
 
@@ -8529,42 +8745,689 @@
         </p:nvSpPr>
         <p:spPr/>
         <p:txBody>
-          <a:bodyPr/>
-          <a:lstStyle/>
-          <a:p>
-            <a:endParaRPr lang="ko-KR" altLang="en-US"/>
-          </a:p>
-        </p:txBody>
-      </p:sp>
-      <p:sp>
-        <p:nvSpPr>
-          <p:cNvPr id="3" name="내용 개체 틀 2"/>
-          <p:cNvSpPr>
-            <a:spLocks noGrp="1"/>
-          </p:cNvSpPr>
+          <a:bodyPr>
+            <a:normAutofit/>
+          </a:bodyPr>
+          <a:lstStyle/>
+          <a:p>
+            <a:r>
+              <a:rPr lang="ko-KR" altLang="en-US" dirty="0" smtClean="0"/>
+              <a:t>템플릿</a:t>
+            </a:r>
+            <a:endParaRPr lang="ko-KR" altLang="en-US" dirty="0"/>
+          </a:p>
+        </p:txBody>
+      </p:sp>
+      <p:pic>
+        <p:nvPicPr>
+          <p:cNvPr id="4" name="내용 개체 틀 3"/>
+          <p:cNvPicPr>
+            <a:picLocks noGrp="1" noChangeAspect="1"/>
+          </p:cNvPicPr>
           <p:nvPr>
             <p:ph idx="1"/>
           </p:nvPr>
-        </p:nvSpPr>
-        <p:spPr/>
-        <p:txBody>
-          <a:bodyPr/>
-          <a:lstStyle/>
-          <a:p>
-            <a:endParaRPr lang="ko-KR" altLang="en-US"/>
-          </a:p>
-        </p:txBody>
-      </p:sp>
+        </p:nvPicPr>
+        <p:blipFill>
+          <a:blip r:embed="rId2"/>
+          <a:stretch>
+            <a:fillRect/>
+          </a:stretch>
+        </p:blipFill>
+        <p:spPr>
+          <a:xfrm>
+            <a:off x="323528" y="1382574"/>
+            <a:ext cx="3528392" cy="5191364"/>
+          </a:xfrm>
+          <a:prstGeom prst="rect">
+            <a:avLst/>
+          </a:prstGeom>
+        </p:spPr>
+      </p:pic>
+      <p:pic>
+        <p:nvPicPr>
+          <p:cNvPr id="5" name="그림 4"/>
+          <p:cNvPicPr>
+            <a:picLocks noChangeAspect="1"/>
+          </p:cNvPicPr>
+          <p:nvPr/>
+        </p:nvPicPr>
+        <p:blipFill>
+          <a:blip r:embed="rId3"/>
+          <a:stretch>
+            <a:fillRect/>
+          </a:stretch>
+        </p:blipFill>
+        <p:spPr>
+          <a:xfrm>
+            <a:off x="4096203" y="2276872"/>
+            <a:ext cx="5047797" cy="3240360"/>
+          </a:xfrm>
+          <a:prstGeom prst="rect">
+            <a:avLst/>
+          </a:prstGeom>
+        </p:spPr>
+      </p:pic>
     </p:spTree>
     <p:extLst>
       <p:ext uri="{BB962C8B-B14F-4D97-AF65-F5344CB8AC3E}">
-        <p14:creationId xmlns:p14="http://schemas.microsoft.com/office/powerpoint/2010/main" val="2979684991"/>
+        <p14:creationId xmlns:p14="http://schemas.microsoft.com/office/powerpoint/2010/main" val="1632346232"/>
       </p:ext>
     </p:extLst>
   </p:cSld>
   <p:clrMapOvr>
     <a:masterClrMapping/>
   </p:clrMapOvr>
+  <p:timing>
+    <p:tnLst>
+      <p:par>
+        <p:cTn id="1" dur="indefinite" restart="never" nodeType="tmRoot"/>
+      </p:par>
+    </p:tnLst>
+  </p:timing>
+</p:sld>
+</file>
+
+<file path=ppt/slides/slide31.xml><?xml version="1.0" encoding="utf-8"?>
+<p:sld xmlns:a="http://schemas.openxmlformats.org/drawingml/2006/main" xmlns:r="http://schemas.openxmlformats.org/officeDocument/2006/relationships" xmlns:p="http://schemas.openxmlformats.org/presentationml/2006/main">
+  <p:cSld>
+    <p:spTree>
+      <p:nvGrpSpPr>
+        <p:cNvPr id="1" name=""/>
+        <p:cNvGrpSpPr/>
+        <p:nvPr/>
+      </p:nvGrpSpPr>
+      <p:grpSpPr>
+        <a:xfrm>
+          <a:off x="0" y="0"/>
+          <a:ext cx="0" cy="0"/>
+          <a:chOff x="0" y="0"/>
+          <a:chExt cx="0" cy="0"/>
+        </a:xfrm>
+      </p:grpSpPr>
+      <p:sp>
+        <p:nvSpPr>
+          <p:cNvPr id="2" name="제목 1"/>
+          <p:cNvSpPr>
+            <a:spLocks noGrp="1"/>
+          </p:cNvSpPr>
+          <p:nvPr>
+            <p:ph type="title"/>
+          </p:nvPr>
+        </p:nvSpPr>
+        <p:spPr/>
+        <p:txBody>
+          <a:bodyPr/>
+          <a:lstStyle/>
+          <a:p>
+            <a:r>
+              <a:rPr lang="ko-KR" altLang="en-US" dirty="0" smtClean="0"/>
+              <a:t>템플릿</a:t>
+            </a:r>
+            <a:endParaRPr lang="ko-KR" altLang="en-US" dirty="0"/>
+          </a:p>
+        </p:txBody>
+      </p:sp>
+      <p:sp>
+        <p:nvSpPr>
+          <p:cNvPr id="3" name="내용 개체 틀 2"/>
+          <p:cNvSpPr>
+            <a:spLocks noGrp="1"/>
+          </p:cNvSpPr>
+          <p:nvPr>
+            <p:ph idx="1"/>
+          </p:nvPr>
+        </p:nvSpPr>
+        <p:spPr/>
+        <p:txBody>
+          <a:bodyPr/>
+          <a:lstStyle/>
+          <a:p>
+            <a:r>
+              <a:rPr lang="ko-KR" altLang="en-US" dirty="0" smtClean="0"/>
+              <a:t>명시적 구체화</a:t>
+            </a:r>
+            <a:endParaRPr lang="ko-KR" altLang="en-US" dirty="0"/>
+          </a:p>
+        </p:txBody>
+      </p:sp>
+      <p:pic>
+        <p:nvPicPr>
+          <p:cNvPr id="4" name="그림 3"/>
+          <p:cNvPicPr>
+            <a:picLocks noChangeAspect="1"/>
+          </p:cNvPicPr>
+          <p:nvPr/>
+        </p:nvPicPr>
+        <p:blipFill>
+          <a:blip r:embed="rId2"/>
+          <a:stretch>
+            <a:fillRect/>
+          </a:stretch>
+        </p:blipFill>
+        <p:spPr>
+          <a:xfrm>
+            <a:off x="611560" y="2204864"/>
+            <a:ext cx="3260740" cy="4320480"/>
+          </a:xfrm>
+          <a:prstGeom prst="rect">
+            <a:avLst/>
+          </a:prstGeom>
+        </p:spPr>
+      </p:pic>
+      <p:pic>
+        <p:nvPicPr>
+          <p:cNvPr id="5" name="그림 4"/>
+          <p:cNvPicPr>
+            <a:picLocks noChangeAspect="1"/>
+          </p:cNvPicPr>
+          <p:nvPr/>
+        </p:nvPicPr>
+        <p:blipFill>
+          <a:blip r:embed="rId3"/>
+          <a:stretch>
+            <a:fillRect/>
+          </a:stretch>
+        </p:blipFill>
+        <p:spPr>
+          <a:xfrm>
+            <a:off x="3077435" y="5250573"/>
+            <a:ext cx="1898449" cy="1058152"/>
+          </a:xfrm>
+          <a:prstGeom prst="rect">
+            <a:avLst/>
+          </a:prstGeom>
+        </p:spPr>
+      </p:pic>
+      <p:sp>
+        <p:nvSpPr>
+          <p:cNvPr id="6" name="오른쪽 화살표 5"/>
+          <p:cNvSpPr/>
+          <p:nvPr/>
+        </p:nvSpPr>
+        <p:spPr>
+          <a:xfrm>
+            <a:off x="2550604" y="5648440"/>
+            <a:ext cx="449651" cy="262417"/>
+          </a:xfrm>
+          <a:prstGeom prst="rightArrow">
+            <a:avLst/>
+          </a:prstGeom>
+        </p:spPr>
+        <p:style>
+          <a:lnRef idx="2">
+            <a:schemeClr val="accent1">
+              <a:shade val="50000"/>
+            </a:schemeClr>
+          </a:lnRef>
+          <a:fillRef idx="1">
+            <a:schemeClr val="accent1"/>
+          </a:fillRef>
+          <a:effectRef idx="0">
+            <a:schemeClr val="accent1"/>
+          </a:effectRef>
+          <a:fontRef idx="minor">
+            <a:schemeClr val="lt1"/>
+          </a:fontRef>
+        </p:style>
+        <p:txBody>
+          <a:bodyPr rtlCol="0" anchor="ctr"/>
+          <a:lstStyle/>
+          <a:p>
+            <a:pPr algn="ctr"/>
+            <a:endParaRPr lang="ko-KR" altLang="en-US"/>
+          </a:p>
+        </p:txBody>
+      </p:sp>
+    </p:spTree>
+    <p:extLst>
+      <p:ext uri="{BB962C8B-B14F-4D97-AF65-F5344CB8AC3E}">
+        <p14:creationId xmlns:p14="http://schemas.microsoft.com/office/powerpoint/2010/main" val="3811715956"/>
+      </p:ext>
+    </p:extLst>
+  </p:cSld>
+  <p:clrMapOvr>
+    <a:masterClrMapping/>
+  </p:clrMapOvr>
+  <p:timing>
+    <p:tnLst>
+      <p:par>
+        <p:cTn id="1" dur="indefinite" restart="never" nodeType="tmRoot"/>
+      </p:par>
+    </p:tnLst>
+  </p:timing>
+</p:sld>
+</file>
+
+<file path=ppt/slides/slide32.xml><?xml version="1.0" encoding="utf-8"?>
+<p:sld xmlns:a="http://schemas.openxmlformats.org/drawingml/2006/main" xmlns:r="http://schemas.openxmlformats.org/officeDocument/2006/relationships" xmlns:p="http://schemas.openxmlformats.org/presentationml/2006/main">
+  <p:cSld>
+    <p:spTree>
+      <p:nvGrpSpPr>
+        <p:cNvPr id="1" name=""/>
+        <p:cNvGrpSpPr/>
+        <p:nvPr/>
+      </p:nvGrpSpPr>
+      <p:grpSpPr>
+        <a:xfrm>
+          <a:off x="0" y="0"/>
+          <a:ext cx="0" cy="0"/>
+          <a:chOff x="0" y="0"/>
+          <a:chExt cx="0" cy="0"/>
+        </a:xfrm>
+      </p:grpSpPr>
+      <p:sp>
+        <p:nvSpPr>
+          <p:cNvPr id="2" name="제목 1"/>
+          <p:cNvSpPr>
+            <a:spLocks noGrp="1"/>
+          </p:cNvSpPr>
+          <p:nvPr>
+            <p:ph type="title"/>
+          </p:nvPr>
+        </p:nvSpPr>
+        <p:spPr/>
+        <p:txBody>
+          <a:bodyPr/>
+          <a:lstStyle/>
+          <a:p>
+            <a:r>
+              <a:rPr lang="en-US" altLang="ko-KR" dirty="0" err="1" smtClean="0"/>
+              <a:t>QnA</a:t>
+            </a:r>
+            <a:endParaRPr lang="ko-KR" altLang="en-US" dirty="0"/>
+          </a:p>
+        </p:txBody>
+      </p:sp>
+      <p:sp>
+        <p:nvSpPr>
+          <p:cNvPr id="3" name="내용 개체 틀 2"/>
+          <p:cNvSpPr>
+            <a:spLocks noGrp="1"/>
+          </p:cNvSpPr>
+          <p:nvPr>
+            <p:ph idx="1"/>
+          </p:nvPr>
+        </p:nvSpPr>
+        <p:spPr/>
+        <p:txBody>
+          <a:bodyPr/>
+          <a:lstStyle/>
+          <a:p>
+            <a:endParaRPr lang="ko-KR" altLang="en-US" dirty="0"/>
+          </a:p>
+        </p:txBody>
+      </p:sp>
+    </p:spTree>
+    <p:extLst>
+      <p:ext uri="{BB962C8B-B14F-4D97-AF65-F5344CB8AC3E}">
+        <p14:creationId xmlns:p14="http://schemas.microsoft.com/office/powerpoint/2010/main" val="4094560905"/>
+      </p:ext>
+    </p:extLst>
+  </p:cSld>
+  <p:clrMapOvr>
+    <a:masterClrMapping/>
+  </p:clrMapOvr>
+  <p:timing>
+    <p:tnLst>
+      <p:par>
+        <p:cTn id="1" dur="indefinite" restart="never" nodeType="tmRoot"/>
+      </p:par>
+    </p:tnLst>
+  </p:timing>
+</p:sld>
+</file>
+
+<file path=ppt/slides/slide33.xml><?xml version="1.0" encoding="utf-8"?>
+<p:sld xmlns:a="http://schemas.openxmlformats.org/drawingml/2006/main" xmlns:r="http://schemas.openxmlformats.org/officeDocument/2006/relationships" xmlns:p="http://schemas.openxmlformats.org/presentationml/2006/main">
+  <p:cSld>
+    <p:spTree>
+      <p:nvGrpSpPr>
+        <p:cNvPr id="1" name=""/>
+        <p:cNvGrpSpPr/>
+        <p:nvPr/>
+      </p:nvGrpSpPr>
+      <p:grpSpPr>
+        <a:xfrm>
+          <a:off x="0" y="0"/>
+          <a:ext cx="0" cy="0"/>
+          <a:chOff x="0" y="0"/>
+          <a:chExt cx="0" cy="0"/>
+        </a:xfrm>
+      </p:grpSpPr>
+      <p:sp>
+        <p:nvSpPr>
+          <p:cNvPr id="2" name="제목 1"/>
+          <p:cNvSpPr>
+            <a:spLocks noGrp="1"/>
+          </p:cNvSpPr>
+          <p:nvPr>
+            <p:ph type="title"/>
+          </p:nvPr>
+        </p:nvSpPr>
+        <p:spPr/>
+        <p:txBody>
+          <a:bodyPr/>
+          <a:lstStyle/>
+          <a:p>
+            <a:r>
+              <a:rPr lang="en-US" altLang="ko-KR" dirty="0" smtClean="0"/>
+              <a:t>Appendix</a:t>
+            </a:r>
+            <a:endParaRPr lang="ko-KR" altLang="en-US" dirty="0"/>
+          </a:p>
+        </p:txBody>
+      </p:sp>
+      <p:sp>
+        <p:nvSpPr>
+          <p:cNvPr id="3" name="내용 개체 틀 2"/>
+          <p:cNvSpPr>
+            <a:spLocks noGrp="1"/>
+          </p:cNvSpPr>
+          <p:nvPr>
+            <p:ph idx="1"/>
+          </p:nvPr>
+        </p:nvSpPr>
+        <p:spPr/>
+        <p:txBody>
+          <a:bodyPr/>
+          <a:lstStyle/>
+          <a:p>
+            <a:r>
+              <a:rPr lang="ko-KR" altLang="en-US" dirty="0" smtClean="0"/>
+              <a:t>오버로딩의 예</a:t>
+            </a:r>
+            <a:endParaRPr lang="ko-KR" altLang="en-US" dirty="0"/>
+          </a:p>
+        </p:txBody>
+      </p:sp>
+      <p:pic>
+        <p:nvPicPr>
+          <p:cNvPr id="4098" name="Picture 2"/>
+          <p:cNvPicPr>
+            <a:picLocks noChangeAspect="1" noChangeArrowheads="1"/>
+          </p:cNvPicPr>
+          <p:nvPr/>
+        </p:nvPicPr>
+        <p:blipFill>
+          <a:blip r:embed="rId2">
+            <a:extLst>
+              <a:ext uri="{28A0092B-C50C-407E-A947-70E740481C1C}">
+                <a14:useLocalDpi xmlns:a14="http://schemas.microsoft.com/office/drawing/2010/main" val="0"/>
+              </a:ext>
+            </a:extLst>
+          </a:blip>
+          <a:srcRect/>
+          <a:stretch>
+            <a:fillRect/>
+          </a:stretch>
+        </p:blipFill>
+        <p:spPr bwMode="auto">
+          <a:xfrm>
+            <a:off x="251520" y="2420423"/>
+            <a:ext cx="2000025" cy="3816424"/>
+          </a:xfrm>
+          <a:prstGeom prst="rect">
+            <a:avLst/>
+          </a:prstGeom>
+          <a:noFill/>
+          <a:ln>
+            <a:noFill/>
+          </a:ln>
+          <a:extLst>
+            <a:ext uri="{909E8E84-426E-40DD-AFC4-6F175D3DCCD1}">
+              <a14:hiddenFill xmlns:a14="http://schemas.microsoft.com/office/drawing/2010/main">
+                <a:solidFill>
+                  <a:schemeClr val="accent1"/>
+                </a:solidFill>
+              </a14:hiddenFill>
+            </a:ext>
+            <a:ext uri="{91240B29-F687-4F45-9708-019B960494DF}">
+              <a14:hiddenLine xmlns:a14="http://schemas.microsoft.com/office/drawing/2010/main" w="9525">
+                <a:solidFill>
+                  <a:schemeClr val="tx1"/>
+                </a:solidFill>
+                <a:miter lim="800000"/>
+                <a:headEnd/>
+                <a:tailEnd/>
+              </a14:hiddenLine>
+            </a:ext>
+          </a:extLst>
+        </p:spPr>
+      </p:pic>
+      <p:pic>
+        <p:nvPicPr>
+          <p:cNvPr id="4099" name="Picture 3"/>
+          <p:cNvPicPr>
+            <a:picLocks noChangeAspect="1" noChangeArrowheads="1"/>
+          </p:cNvPicPr>
+          <p:nvPr/>
+        </p:nvPicPr>
+        <p:blipFill>
+          <a:blip r:embed="rId3">
+            <a:extLst>
+              <a:ext uri="{28A0092B-C50C-407E-A947-70E740481C1C}">
+                <a14:useLocalDpi xmlns:a14="http://schemas.microsoft.com/office/drawing/2010/main" val="0"/>
+              </a:ext>
+            </a:extLst>
+          </a:blip>
+          <a:srcRect/>
+          <a:stretch>
+            <a:fillRect/>
+          </a:stretch>
+        </p:blipFill>
+        <p:spPr bwMode="auto">
+          <a:xfrm>
+            <a:off x="2388205" y="2125175"/>
+            <a:ext cx="2149006" cy="4114973"/>
+          </a:xfrm>
+          <a:prstGeom prst="rect">
+            <a:avLst/>
+          </a:prstGeom>
+          <a:noFill/>
+          <a:ln>
+            <a:noFill/>
+          </a:ln>
+          <a:extLst>
+            <a:ext uri="{909E8E84-426E-40DD-AFC4-6F175D3DCCD1}">
+              <a14:hiddenFill xmlns:a14="http://schemas.microsoft.com/office/drawing/2010/main">
+                <a:solidFill>
+                  <a:schemeClr val="accent1"/>
+                </a:solidFill>
+              </a14:hiddenFill>
+            </a:ext>
+            <a:ext uri="{91240B29-F687-4F45-9708-019B960494DF}">
+              <a14:hiddenLine xmlns:a14="http://schemas.microsoft.com/office/drawing/2010/main" w="9525">
+                <a:solidFill>
+                  <a:schemeClr val="tx1"/>
+                </a:solidFill>
+                <a:miter lim="800000"/>
+                <a:headEnd/>
+                <a:tailEnd/>
+              </a14:hiddenLine>
+            </a:ext>
+          </a:extLst>
+        </p:spPr>
+      </p:pic>
+      <p:pic>
+        <p:nvPicPr>
+          <p:cNvPr id="4100" name="Picture 4"/>
+          <p:cNvPicPr>
+            <a:picLocks noChangeAspect="1" noChangeArrowheads="1"/>
+          </p:cNvPicPr>
+          <p:nvPr/>
+        </p:nvPicPr>
+        <p:blipFill>
+          <a:blip r:embed="rId4" cstate="print">
+            <a:extLst>
+              <a:ext uri="{28A0092B-C50C-407E-A947-70E740481C1C}">
+                <a14:useLocalDpi xmlns:a14="http://schemas.microsoft.com/office/drawing/2010/main" val="0"/>
+              </a:ext>
+            </a:extLst>
+          </a:blip>
+          <a:srcRect/>
+          <a:stretch>
+            <a:fillRect/>
+          </a:stretch>
+        </p:blipFill>
+        <p:spPr bwMode="auto">
+          <a:xfrm>
+            <a:off x="2251545" y="6333847"/>
+            <a:ext cx="1384351" cy="489058"/>
+          </a:xfrm>
+          <a:prstGeom prst="rect">
+            <a:avLst/>
+          </a:prstGeom>
+          <a:noFill/>
+          <a:ln>
+            <a:noFill/>
+          </a:ln>
+          <a:extLst>
+            <a:ext uri="{909E8E84-426E-40DD-AFC4-6F175D3DCCD1}">
+              <a14:hiddenFill xmlns:a14="http://schemas.microsoft.com/office/drawing/2010/main">
+                <a:solidFill>
+                  <a:schemeClr val="accent1"/>
+                </a:solidFill>
+              </a14:hiddenFill>
+            </a:ext>
+            <a:ext uri="{91240B29-F687-4F45-9708-019B960494DF}">
+              <a14:hiddenLine xmlns:a14="http://schemas.microsoft.com/office/drawing/2010/main" w="9525">
+                <a:solidFill>
+                  <a:schemeClr val="tx1"/>
+                </a:solidFill>
+                <a:miter lim="800000"/>
+                <a:headEnd/>
+                <a:tailEnd/>
+              </a14:hiddenLine>
+            </a:ext>
+          </a:extLst>
+        </p:spPr>
+      </p:pic>
+      <p:pic>
+        <p:nvPicPr>
+          <p:cNvPr id="4101" name="Picture 5"/>
+          <p:cNvPicPr>
+            <a:picLocks noChangeAspect="1" noChangeArrowheads="1"/>
+          </p:cNvPicPr>
+          <p:nvPr/>
+        </p:nvPicPr>
+        <p:blipFill>
+          <a:blip r:embed="rId5">
+            <a:extLst>
+              <a:ext uri="{28A0092B-C50C-407E-A947-70E740481C1C}">
+                <a14:useLocalDpi xmlns:a14="http://schemas.microsoft.com/office/drawing/2010/main" val="0"/>
+              </a:ext>
+            </a:extLst>
+          </a:blip>
+          <a:srcRect/>
+          <a:stretch>
+            <a:fillRect/>
+          </a:stretch>
+        </p:blipFill>
+        <p:spPr bwMode="auto">
+          <a:xfrm>
+            <a:off x="4427984" y="2060848"/>
+            <a:ext cx="1693941" cy="3227065"/>
+          </a:xfrm>
+          <a:prstGeom prst="rect">
+            <a:avLst/>
+          </a:prstGeom>
+          <a:noFill/>
+          <a:ln>
+            <a:noFill/>
+          </a:ln>
+          <a:extLst>
+            <a:ext uri="{909E8E84-426E-40DD-AFC4-6F175D3DCCD1}">
+              <a14:hiddenFill xmlns:a14="http://schemas.microsoft.com/office/drawing/2010/main">
+                <a:solidFill>
+                  <a:schemeClr val="accent1"/>
+                </a:solidFill>
+              </a14:hiddenFill>
+            </a:ext>
+            <a:ext uri="{91240B29-F687-4F45-9708-019B960494DF}">
+              <a14:hiddenLine xmlns:a14="http://schemas.microsoft.com/office/drawing/2010/main" w="9525">
+                <a:solidFill>
+                  <a:schemeClr val="tx1"/>
+                </a:solidFill>
+                <a:miter lim="800000"/>
+                <a:headEnd/>
+                <a:tailEnd/>
+              </a14:hiddenLine>
+            </a:ext>
+          </a:extLst>
+        </p:spPr>
+      </p:pic>
+      <p:pic>
+        <p:nvPicPr>
+          <p:cNvPr id="1026" name="Picture 2"/>
+          <p:cNvPicPr>
+            <a:picLocks noChangeAspect="1" noChangeArrowheads="1"/>
+          </p:cNvPicPr>
+          <p:nvPr/>
+        </p:nvPicPr>
+        <p:blipFill>
+          <a:blip r:embed="rId6">
+            <a:extLst>
+              <a:ext uri="{28A0092B-C50C-407E-A947-70E740481C1C}">
+                <a14:useLocalDpi xmlns:a14="http://schemas.microsoft.com/office/drawing/2010/main" val="0"/>
+              </a:ext>
+            </a:extLst>
+          </a:blip>
+          <a:srcRect/>
+          <a:stretch>
+            <a:fillRect/>
+          </a:stretch>
+        </p:blipFill>
+        <p:spPr bwMode="auto">
+          <a:xfrm>
+            <a:off x="6228184" y="2125175"/>
+            <a:ext cx="1595438" cy="2862263"/>
+          </a:xfrm>
+          <a:prstGeom prst="rect">
+            <a:avLst/>
+          </a:prstGeom>
+          <a:noFill/>
+          <a:ln>
+            <a:noFill/>
+          </a:ln>
+          <a:extLst>
+            <a:ext uri="{909E8E84-426E-40DD-AFC4-6F175D3DCCD1}">
+              <a14:hiddenFill xmlns:a14="http://schemas.microsoft.com/office/drawing/2010/main">
+                <a:solidFill>
+                  <a:schemeClr val="accent1"/>
+                </a:solidFill>
+              </a14:hiddenFill>
+            </a:ext>
+            <a:ext uri="{91240B29-F687-4F45-9708-019B960494DF}">
+              <a14:hiddenLine xmlns:a14="http://schemas.microsoft.com/office/drawing/2010/main" w="9525">
+                <a:solidFill>
+                  <a:schemeClr val="tx1"/>
+                </a:solidFill>
+                <a:miter lim="800000"/>
+                <a:headEnd/>
+                <a:tailEnd/>
+              </a14:hiddenLine>
+            </a:ext>
+          </a:extLst>
+        </p:spPr>
+      </p:pic>
+    </p:spTree>
+    <p:extLst>
+      <p:ext uri="{BB962C8B-B14F-4D97-AF65-F5344CB8AC3E}">
+        <p14:creationId xmlns:p14="http://schemas.microsoft.com/office/powerpoint/2010/main" val="2365867986"/>
+      </p:ext>
+    </p:extLst>
+  </p:cSld>
+  <p:clrMapOvr>
+    <a:masterClrMapping/>
+  </p:clrMapOvr>
+  <p:timing>
+    <p:tnLst>
+      <p:par>
+        <p:cTn id="1" dur="indefinite" restart="never" nodeType="tmRoot"/>
+      </p:par>
+    </p:tnLst>
+  </p:timing>
 </p:sld>
 </file>
 
